--- a/Habitats&Extinctions.pptx
+++ b/Habitats&Extinctions.pptx
@@ -6,8 +6,8 @@
   </p:sldMasterIdLst>
   <p:sldIdLst>
     <p:sldId id="256" r:id="rId2"/>
-    <p:sldId id="257" r:id="rId3"/>
-    <p:sldId id="258" r:id="rId4"/>
+    <p:sldId id="258" r:id="rId3"/>
+    <p:sldId id="257" r:id="rId4"/>
     <p:sldId id="263" r:id="rId5"/>
     <p:sldId id="259" r:id="rId6"/>
     <p:sldId id="260" r:id="rId7"/>
@@ -5864,69 +5864,6 @@
       </p:grpSpPr>
       <p:pic>
         <p:nvPicPr>
-          <p:cNvPr id="2064" name="Picture 2063">
-            <a:extLst>
-              <a:ext uri="{FF2B5EF4-FFF2-40B4-BE49-F238E27FC236}">
-                <a16:creationId xmlns:a16="http://schemas.microsoft.com/office/drawing/2014/main" id="{D9103E0D-A468-42AC-994E-60F7846C0CC3}"/>
-              </a:ext>
-            </a:extLst>
-          </p:cNvPr>
-          <p:cNvPicPr>
-            <a:picLocks noChangeAspect="1"/>
-          </p:cNvPicPr>
-          <p:nvPr/>
-        </p:nvPicPr>
-        <p:blipFill>
-          <a:blip r:embed="rId2"/>
-          <a:stretch>
-            <a:fillRect/>
-          </a:stretch>
-        </p:blipFill>
-        <p:spPr>
-          <a:xfrm>
-            <a:off x="189451" y="148280"/>
-            <a:ext cx="16689898" cy="9193427"/>
-          </a:xfrm>
-          <a:prstGeom prst="rect">
-            <a:avLst/>
-          </a:prstGeom>
-        </p:spPr>
-      </p:pic>
-    </p:spTree>
-    <p:extLst>
-      <p:ext uri="{BB962C8B-B14F-4D97-AF65-F5344CB8AC3E}">
-        <p14:creationId xmlns:p14="http://schemas.microsoft.com/office/powerpoint/2010/main" val="3622570991"/>
-      </p:ext>
-    </p:extLst>
-  </p:cSld>
-  <p:clrMapOvr>
-    <a:masterClrMapping/>
-  </p:clrMapOvr>
-  <p:transition spd="slow">
-    <p:wipe/>
-  </p:transition>
-</p:sld>
-</file>
-
-<file path=ppt/slides/slide3.xml><?xml version="1.0" encoding="utf-8"?>
-<p:sld xmlns:a="http://schemas.openxmlformats.org/drawingml/2006/main" xmlns:r="http://schemas.openxmlformats.org/officeDocument/2006/relationships" xmlns:p="http://schemas.openxmlformats.org/presentationml/2006/main">
-  <p:cSld>
-    <p:spTree>
-      <p:nvGrpSpPr>
-        <p:cNvPr id="1" name=""/>
-        <p:cNvGrpSpPr/>
-        <p:nvPr/>
-      </p:nvGrpSpPr>
-      <p:grpSpPr>
-        <a:xfrm>
-          <a:off x="0" y="0"/>
-          <a:ext cx="0" cy="0"/>
-          <a:chOff x="0" y="0"/>
-          <a:chExt cx="0" cy="0"/>
-        </a:xfrm>
-      </p:grpSpPr>
-      <p:pic>
-        <p:nvPicPr>
           <p:cNvPr id="6" name="Picture 5">
             <a:extLst>
               <a:ext uri="{FF2B5EF4-FFF2-40B4-BE49-F238E27FC236}">
@@ -6139,6 +6076,69 @@
     <p:extLst>
       <p:ext uri="{BB962C8B-B14F-4D97-AF65-F5344CB8AC3E}">
         <p14:creationId xmlns:p14="http://schemas.microsoft.com/office/powerpoint/2010/main" val="2807293326"/>
+      </p:ext>
+    </p:extLst>
+  </p:cSld>
+  <p:clrMapOvr>
+    <a:masterClrMapping/>
+  </p:clrMapOvr>
+  <p:transition spd="slow">
+    <p:wipe/>
+  </p:transition>
+</p:sld>
+</file>
+
+<file path=ppt/slides/slide3.xml><?xml version="1.0" encoding="utf-8"?>
+<p:sld xmlns:a="http://schemas.openxmlformats.org/drawingml/2006/main" xmlns:r="http://schemas.openxmlformats.org/officeDocument/2006/relationships" xmlns:p="http://schemas.openxmlformats.org/presentationml/2006/main">
+  <p:cSld>
+    <p:spTree>
+      <p:nvGrpSpPr>
+        <p:cNvPr id="1" name=""/>
+        <p:cNvGrpSpPr/>
+        <p:nvPr/>
+      </p:nvGrpSpPr>
+      <p:grpSpPr>
+        <a:xfrm>
+          <a:off x="0" y="0"/>
+          <a:ext cx="0" cy="0"/>
+          <a:chOff x="0" y="0"/>
+          <a:chExt cx="0" cy="0"/>
+        </a:xfrm>
+      </p:grpSpPr>
+      <p:pic>
+        <p:nvPicPr>
+          <p:cNvPr id="2064" name="Picture 2063">
+            <a:extLst>
+              <a:ext uri="{FF2B5EF4-FFF2-40B4-BE49-F238E27FC236}">
+                <a16:creationId xmlns:a16="http://schemas.microsoft.com/office/drawing/2014/main" id="{D9103E0D-A468-42AC-994E-60F7846C0CC3}"/>
+              </a:ext>
+            </a:extLst>
+          </p:cNvPr>
+          <p:cNvPicPr>
+            <a:picLocks noChangeAspect="1"/>
+          </p:cNvPicPr>
+          <p:nvPr/>
+        </p:nvPicPr>
+        <p:blipFill>
+          <a:blip r:embed="rId2"/>
+          <a:stretch>
+            <a:fillRect/>
+          </a:stretch>
+        </p:blipFill>
+        <p:spPr>
+          <a:xfrm>
+            <a:off x="189451" y="148280"/>
+            <a:ext cx="16689898" cy="9193427"/>
+          </a:xfrm>
+          <a:prstGeom prst="rect">
+            <a:avLst/>
+          </a:prstGeom>
+        </p:spPr>
+      </p:pic>
+    </p:spTree>
+    <p:extLst>
+      <p:ext uri="{BB962C8B-B14F-4D97-AF65-F5344CB8AC3E}">
+        <p14:creationId xmlns:p14="http://schemas.microsoft.com/office/powerpoint/2010/main" val="3622570991"/>
       </p:ext>
     </p:extLst>
   </p:cSld>
